--- a/Rendering/1、IMR.pptx
+++ b/Rendering/1、IMR.pptx
@@ -5387,6 +5387,21 @@
             </a:r>
             <a:endParaRPr lang="zh-CN" altLang="en-US" dirty="0"/>
           </a:p>
+          <a:p>
+            <a:r>
+              <a:rPr lang="zh-CN" altLang="en-US" dirty="0">
+                <a:solidFill>
+                  <a:srgbClr val="FFC000"/>
+                </a:solidFill>
+              </a:rPr>
+              <a:t>背面剔除也发生在这个阶段。</a:t>
+            </a:r>
+            <a:endParaRPr lang="zh-CN" altLang="en-US" dirty="0">
+              <a:solidFill>
+                <a:srgbClr val="FFC000"/>
+              </a:solidFill>
+            </a:endParaRPr>
+          </a:p>
         </p:txBody>
       </p:sp>
       <p:pic>
